--- a/Robot Framework Spotify.pptx
+++ b/Robot Framework Spotify.pptx
@@ -5,7 +5,7 @@
     <p:sldMasterId id="2147483648" r:id="rId1"/>
   </p:sldMasterIdLst>
   <p:notesMasterIdLst>
-    <p:notesMasterId r:id="rId13"/>
+    <p:notesMasterId r:id="rId14"/>
   </p:notesMasterIdLst>
   <p:sldIdLst>
     <p:sldId id="256" r:id="rId2"/>
@@ -19,6 +19,7 @@
     <p:sldId id="262" r:id="rId10"/>
     <p:sldId id="264" r:id="rId11"/>
     <p:sldId id="265" r:id="rId12"/>
+    <p:sldId id="267" r:id="rId13"/>
   </p:sldIdLst>
   <p:sldSz cx="12192000" cy="6858000"/>
   <p:notesSz cx="6858000" cy="9144000"/>
@@ -117,6 +118,11 @@
       </a:defRPr>
     </a:lvl9pPr>
   </p:defaultTextStyle>
+  <p:extLst>
+    <p:ext uri="{EFAFB233-063F-42B5-8137-9DF3F51BA10A}">
+      <p15:sldGuideLst xmlns:p15="http://schemas.microsoft.com/office/powerpoint/2012/main"/>
+    </p:ext>
+  </p:extLst>
 </p:presentation>
 </file>
 
@@ -124,8 +130,8 @@
 <pc:chgInfo xmlns:a="http://schemas.openxmlformats.org/drawingml/2006/main" xmlns:r="http://schemas.openxmlformats.org/officeDocument/2006/relationships" xmlns:ac="http://schemas.microsoft.com/office/drawing/2013/main/command" xmlns:pc="http://schemas.microsoft.com/office/powerpoint/2013/main/command">
   <pc:docChgLst>
     <pc:chgData name="aldo hasibuan" userId="0b54fdeb03e09291" providerId="LiveId" clId="{E711913B-63F3-4204-BC38-FB4989EB7C04}"/>
-    <pc:docChg chg="undo custSel addSld modSld modShowInfo">
-      <pc:chgData name="aldo hasibuan" userId="0b54fdeb03e09291" providerId="LiveId" clId="{E711913B-63F3-4204-BC38-FB4989EB7C04}" dt="2021-03-03T11:30:03.359" v="3859"/>
+    <pc:docChg chg="undo custSel addSld delSld modSld modShowInfo">
+      <pc:chgData name="aldo hasibuan" userId="0b54fdeb03e09291" providerId="LiveId" clId="{E711913B-63F3-4204-BC38-FB4989EB7C04}" dt="2021-03-03T14:39:33.156" v="3878" actId="20577"/>
       <pc:docMkLst>
         <pc:docMk/>
       </pc:docMkLst>
@@ -1086,6 +1092,44 @@
           <pc:sldMk cId="3139962824" sldId="266"/>
         </pc:sldMkLst>
       </pc:sldChg>
+      <pc:sldChg chg="delSp modSp add mod delAnim">
+        <pc:chgData name="aldo hasibuan" userId="0b54fdeb03e09291" providerId="LiveId" clId="{E711913B-63F3-4204-BC38-FB4989EB7C04}" dt="2021-03-03T14:39:33.156" v="3878" actId="20577"/>
+        <pc:sldMkLst>
+          <pc:docMk/>
+          <pc:sldMk cId="1833557845" sldId="267"/>
+        </pc:sldMkLst>
+        <pc:spChg chg="mod">
+          <ac:chgData name="aldo hasibuan" userId="0b54fdeb03e09291" providerId="LiveId" clId="{E711913B-63F3-4204-BC38-FB4989EB7C04}" dt="2021-03-03T14:39:33.156" v="3878" actId="20577"/>
+          <ac:spMkLst>
+            <pc:docMk/>
+            <pc:sldMk cId="1833557845" sldId="267"/>
+            <ac:spMk id="2" creationId="{817A3A44-4AA2-46F8-9890-75FA171E1F31}"/>
+          </ac:spMkLst>
+        </pc:spChg>
+        <pc:picChg chg="del">
+          <ac:chgData name="aldo hasibuan" userId="0b54fdeb03e09291" providerId="LiveId" clId="{E711913B-63F3-4204-BC38-FB4989EB7C04}" dt="2021-03-03T14:39:28.973" v="3864" actId="478"/>
+          <ac:picMkLst>
+            <pc:docMk/>
+            <pc:sldMk cId="1833557845" sldId="267"/>
+            <ac:picMk id="5" creationId="{75F1933D-A720-416D-B6B8-20A33092A8A5}"/>
+          </ac:picMkLst>
+        </pc:picChg>
+        <pc:picChg chg="del">
+          <ac:chgData name="aldo hasibuan" userId="0b54fdeb03e09291" providerId="LiveId" clId="{E711913B-63F3-4204-BC38-FB4989EB7C04}" dt="2021-03-03T14:39:28.231" v="3863" actId="478"/>
+          <ac:picMkLst>
+            <pc:docMk/>
+            <pc:sldMk cId="1833557845" sldId="267"/>
+            <ac:picMk id="7" creationId="{93DFACCB-000C-4CDD-AFF9-B5917B6838F1}"/>
+          </ac:picMkLst>
+        </pc:picChg>
+      </pc:sldChg>
+      <pc:sldChg chg="new del">
+        <pc:chgData name="aldo hasibuan" userId="0b54fdeb03e09291" providerId="LiveId" clId="{E711913B-63F3-4204-BC38-FB4989EB7C04}" dt="2021-03-03T14:39:24.505" v="3861" actId="47"/>
+        <pc:sldMkLst>
+          <pc:docMk/>
+          <pc:sldMk cId="2911307878" sldId="267"/>
+        </pc:sldMkLst>
+      </pc:sldChg>
     </pc:docChg>
   </pc:docChgLst>
 </pc:chgInfo>
@@ -1173,7 +1217,7 @@
           <a:p>
             <a:fld id="{38DE8E01-2E00-4793-8162-233DB4E5AE92}" type="datetimeFigureOut">
               <a:rPr lang="nl-NL" smtClean="0"/>
-              <a:t>1-3-2021</a:t>
+              <a:t>3-3-2021</a:t>
             </a:fld>
             <a:endParaRPr lang="nl-NL"/>
           </a:p>
@@ -1761,7 +1805,7 @@
           <a:p>
             <a:fld id="{16A1EE26-F77E-48EF-B244-10CD9BCFC66E}" type="datetimeFigureOut">
               <a:rPr lang="nl-NL" smtClean="0"/>
-              <a:t>26-2-2021</a:t>
+              <a:t>3-3-2021</a:t>
             </a:fld>
             <a:endParaRPr lang="nl-NL"/>
           </a:p>
@@ -1959,7 +2003,7 @@
           <a:p>
             <a:fld id="{16A1EE26-F77E-48EF-B244-10CD9BCFC66E}" type="datetimeFigureOut">
               <a:rPr lang="nl-NL" smtClean="0"/>
-              <a:t>26-2-2021</a:t>
+              <a:t>3-3-2021</a:t>
             </a:fld>
             <a:endParaRPr lang="nl-NL"/>
           </a:p>
@@ -2167,7 +2211,7 @@
           <a:p>
             <a:fld id="{16A1EE26-F77E-48EF-B244-10CD9BCFC66E}" type="datetimeFigureOut">
               <a:rPr lang="nl-NL" smtClean="0"/>
-              <a:t>26-2-2021</a:t>
+              <a:t>3-3-2021</a:t>
             </a:fld>
             <a:endParaRPr lang="nl-NL"/>
           </a:p>
@@ -2365,7 +2409,7 @@
           <a:p>
             <a:fld id="{16A1EE26-F77E-48EF-B244-10CD9BCFC66E}" type="datetimeFigureOut">
               <a:rPr lang="nl-NL" smtClean="0"/>
-              <a:t>26-2-2021</a:t>
+              <a:t>3-3-2021</a:t>
             </a:fld>
             <a:endParaRPr lang="nl-NL"/>
           </a:p>
@@ -2640,7 +2684,7 @@
           <a:p>
             <a:fld id="{16A1EE26-F77E-48EF-B244-10CD9BCFC66E}" type="datetimeFigureOut">
               <a:rPr lang="nl-NL" smtClean="0"/>
-              <a:t>26-2-2021</a:t>
+              <a:t>3-3-2021</a:t>
             </a:fld>
             <a:endParaRPr lang="nl-NL"/>
           </a:p>
@@ -2905,7 +2949,7 @@
           <a:p>
             <a:fld id="{16A1EE26-F77E-48EF-B244-10CD9BCFC66E}" type="datetimeFigureOut">
               <a:rPr lang="nl-NL" smtClean="0"/>
-              <a:t>26-2-2021</a:t>
+              <a:t>3-3-2021</a:t>
             </a:fld>
             <a:endParaRPr lang="nl-NL"/>
           </a:p>
@@ -3317,7 +3361,7 @@
           <a:p>
             <a:fld id="{16A1EE26-F77E-48EF-B244-10CD9BCFC66E}" type="datetimeFigureOut">
               <a:rPr lang="nl-NL" smtClean="0"/>
-              <a:t>26-2-2021</a:t>
+              <a:t>3-3-2021</a:t>
             </a:fld>
             <a:endParaRPr lang="nl-NL"/>
           </a:p>
@@ -3458,7 +3502,7 @@
           <a:p>
             <a:fld id="{16A1EE26-F77E-48EF-B244-10CD9BCFC66E}" type="datetimeFigureOut">
               <a:rPr lang="nl-NL" smtClean="0"/>
-              <a:t>26-2-2021</a:t>
+              <a:t>3-3-2021</a:t>
             </a:fld>
             <a:endParaRPr lang="nl-NL"/>
           </a:p>
@@ -3571,7 +3615,7 @@
           <a:p>
             <a:fld id="{16A1EE26-F77E-48EF-B244-10CD9BCFC66E}" type="datetimeFigureOut">
               <a:rPr lang="nl-NL" smtClean="0"/>
-              <a:t>26-2-2021</a:t>
+              <a:t>3-3-2021</a:t>
             </a:fld>
             <a:endParaRPr lang="nl-NL"/>
           </a:p>
@@ -3882,7 +3926,7 @@
           <a:p>
             <a:fld id="{16A1EE26-F77E-48EF-B244-10CD9BCFC66E}" type="datetimeFigureOut">
               <a:rPr lang="nl-NL" smtClean="0"/>
-              <a:t>26-2-2021</a:t>
+              <a:t>3-3-2021</a:t>
             </a:fld>
             <a:endParaRPr lang="nl-NL"/>
           </a:p>
@@ -4170,7 +4214,7 @@
           <a:p>
             <a:fld id="{16A1EE26-F77E-48EF-B244-10CD9BCFC66E}" type="datetimeFigureOut">
               <a:rPr lang="nl-NL" smtClean="0"/>
-              <a:t>26-2-2021</a:t>
+              <a:t>3-3-2021</a:t>
             </a:fld>
             <a:endParaRPr lang="nl-NL"/>
           </a:p>
@@ -4411,7 +4455,7 @@
           <a:p>
             <a:fld id="{16A1EE26-F77E-48EF-B244-10CD9BCFC66E}" type="datetimeFigureOut">
               <a:rPr lang="nl-NL" smtClean="0"/>
-              <a:t>26-2-2021</a:t>
+              <a:t>3-3-2021</a:t>
             </a:fld>
             <a:endParaRPr lang="nl-NL"/>
           </a:p>
@@ -6970,6 +7014,803 @@
                                     <p:animEffect transition="in" filter="fade">
                                       <p:cBhvr>
                                         <p:cTn id="42" dur="500"/>
+                                        <p:tgtEl>
+                                          <p:spTgt spid="3">
+                                            <p:txEl>
+                                              <p:pRg st="5" end="5"/>
+                                            </p:txEl>
+                                          </p:spTgt>
+                                        </p:tgtEl>
+                                      </p:cBhvr>
+                                    </p:animEffect>
+                                  </p:childTnLst>
+                                </p:cTn>
+                              </p:par>
+                            </p:childTnLst>
+                          </p:cTn>
+                        </p:par>
+                      </p:childTnLst>
+                    </p:cTn>
+                  </p:par>
+                </p:childTnLst>
+              </p:cTn>
+              <p:prevCondLst>
+                <p:cond evt="onPrev" delay="0">
+                  <p:tgtEl>
+                    <p:sldTgt/>
+                  </p:tgtEl>
+                </p:cond>
+              </p:prevCondLst>
+              <p:nextCondLst>
+                <p:cond evt="onNext" delay="0">
+                  <p:tgtEl>
+                    <p:sldTgt/>
+                  </p:tgtEl>
+                </p:cond>
+              </p:nextCondLst>
+            </p:seq>
+          </p:childTnLst>
+        </p:cTn>
+      </p:par>
+    </p:tnLst>
+    <p:bldLst>
+      <p:bldP spid="3" grpId="0" uiExpand="1" build="p"/>
+    </p:bldLst>
+  </p:timing>
+</p:sld>
+</file>
+
+<file path=ppt/slides/slide12.xml><?xml version="1.0" encoding="utf-8"?>
+<p:sld xmlns:a="http://schemas.openxmlformats.org/drawingml/2006/main" xmlns:r="http://schemas.openxmlformats.org/officeDocument/2006/relationships" xmlns:p="http://schemas.openxmlformats.org/presentationml/2006/main">
+  <p:cSld>
+    <p:spTree>
+      <p:nvGrpSpPr>
+        <p:cNvPr id="1" name=""/>
+        <p:cNvGrpSpPr/>
+        <p:nvPr/>
+      </p:nvGrpSpPr>
+      <p:grpSpPr>
+        <a:xfrm>
+          <a:off x="0" y="0"/>
+          <a:ext cx="0" cy="0"/>
+          <a:chOff x="0" y="0"/>
+          <a:chExt cx="0" cy="0"/>
+        </a:xfrm>
+      </p:grpSpPr>
+      <p:pic>
+        <p:nvPicPr>
+          <p:cNvPr id="8" name="Picture 4">
+            <a:extLst>
+              <a:ext uri="{FF2B5EF4-FFF2-40B4-BE49-F238E27FC236}">
+                <a16:creationId xmlns:a16="http://schemas.microsoft.com/office/drawing/2014/main" id="{343915CE-FCDE-417C-AE93-411FEF187AA7}"/>
+              </a:ext>
+            </a:extLst>
+          </p:cNvPr>
+          <p:cNvPicPr>
+            <a:picLocks noChangeAspect="1" noChangeArrowheads="1"/>
+          </p:cNvPicPr>
+          <p:nvPr/>
+        </p:nvPicPr>
+        <p:blipFill>
+          <a:blip r:embed="rId2">
+            <a:extLst>
+              <a:ext uri="{28A0092B-C50C-407E-A947-70E740481C1C}">
+                <a14:useLocalDpi xmlns:a14="http://schemas.microsoft.com/office/drawing/2010/main" val="0"/>
+              </a:ext>
+            </a:extLst>
+          </a:blip>
+          <a:srcRect/>
+          <a:stretch>
+            <a:fillRect/>
+          </a:stretch>
+        </p:blipFill>
+        <p:spPr bwMode="auto">
+          <a:xfrm>
+            <a:off x="0" y="0"/>
+            <a:ext cx="12192000" cy="6858000"/>
+          </a:xfrm>
+          <a:prstGeom prst="rect">
+            <a:avLst/>
+          </a:prstGeom>
+          <a:noFill/>
+          <a:extLst>
+            <a:ext uri="{909E8E84-426E-40DD-AFC4-6F175D3DCCD1}">
+              <a14:hiddenFill xmlns:a14="http://schemas.microsoft.com/office/drawing/2010/main">
+                <a:solidFill>
+                  <a:srgbClr val="FFFFFF"/>
+                </a:solidFill>
+              </a14:hiddenFill>
+            </a:ext>
+          </a:extLst>
+        </p:spPr>
+      </p:pic>
+      <p:sp>
+        <p:nvSpPr>
+          <p:cNvPr id="2" name="Titel 1">
+            <a:extLst>
+              <a:ext uri="{FF2B5EF4-FFF2-40B4-BE49-F238E27FC236}">
+                <a16:creationId xmlns:a16="http://schemas.microsoft.com/office/drawing/2014/main" id="{817A3A44-4AA2-46F8-9890-75FA171E1F31}"/>
+              </a:ext>
+            </a:extLst>
+          </p:cNvPr>
+          <p:cNvSpPr>
+            <a:spLocks noGrp="1"/>
+          </p:cNvSpPr>
+          <p:nvPr>
+            <p:ph type="title"/>
+          </p:nvPr>
+        </p:nvSpPr>
+        <p:spPr/>
+        <p:txBody>
+          <a:bodyPr/>
+          <a:lstStyle/>
+          <a:p>
+            <a:pPr algn="ctr"/>
+            <a:r>
+              <a:rPr lang="nl-NL">
+                <a:solidFill>
+                  <a:schemeClr val="bg1"/>
+                </a:solidFill>
+              </a:rPr>
+              <a:t>Git Portfolio</a:t>
+            </a:r>
+            <a:endParaRPr lang="nl-NL" dirty="0">
+              <a:solidFill>
+                <a:schemeClr val="bg1"/>
+              </a:solidFill>
+            </a:endParaRPr>
+          </a:p>
+        </p:txBody>
+      </p:sp>
+      <p:sp>
+        <p:nvSpPr>
+          <p:cNvPr id="3" name="Tijdelijke aanduiding voor inhoud 2">
+            <a:extLst>
+              <a:ext uri="{FF2B5EF4-FFF2-40B4-BE49-F238E27FC236}">
+                <a16:creationId xmlns:a16="http://schemas.microsoft.com/office/drawing/2014/main" id="{8CD15765-BCCF-47C1-AB42-992323253607}"/>
+              </a:ext>
+            </a:extLst>
+          </p:cNvPr>
+          <p:cNvSpPr>
+            <a:spLocks noGrp="1"/>
+          </p:cNvSpPr>
+          <p:nvPr>
+            <p:ph idx="1"/>
+          </p:nvPr>
+        </p:nvSpPr>
+        <p:spPr>
+          <a:xfrm>
+            <a:off x="838200" y="1690688"/>
+            <a:ext cx="10515600" cy="4351338"/>
+          </a:xfrm>
+        </p:spPr>
+        <p:txBody>
+          <a:bodyPr/>
+          <a:lstStyle/>
+          <a:p>
+            <a:r>
+              <a:rPr lang="nl-NL" dirty="0">
+                <a:solidFill>
+                  <a:schemeClr val="bg1"/>
+                </a:solidFill>
+              </a:rPr>
+              <a:t>Project management tool </a:t>
+            </a:r>
+            <a:r>
+              <a:rPr lang="nl-NL" dirty="0" err="1">
+                <a:solidFill>
+                  <a:schemeClr val="bg1"/>
+                </a:solidFill>
+              </a:rPr>
+              <a:t>for</a:t>
+            </a:r>
+            <a:r>
+              <a:rPr lang="nl-NL" dirty="0">
+                <a:solidFill>
+                  <a:schemeClr val="bg1"/>
+                </a:solidFill>
+              </a:rPr>
+              <a:t> </a:t>
+            </a:r>
+            <a:r>
+              <a:rPr lang="nl-NL" dirty="0" err="1">
+                <a:solidFill>
+                  <a:schemeClr val="bg1"/>
+                </a:solidFill>
+              </a:rPr>
+              <a:t>certain</a:t>
+            </a:r>
+            <a:r>
+              <a:rPr lang="nl-NL" dirty="0">
+                <a:solidFill>
+                  <a:schemeClr val="bg1"/>
+                </a:solidFill>
+              </a:rPr>
+              <a:t> types of </a:t>
+            </a:r>
+            <a:r>
+              <a:rPr lang="nl-NL" dirty="0" err="1">
+                <a:solidFill>
+                  <a:schemeClr val="bg1"/>
+                </a:solidFill>
+              </a:rPr>
+              <a:t>projects</a:t>
+            </a:r>
+            <a:r>
+              <a:rPr lang="nl-NL" dirty="0">
+                <a:solidFill>
+                  <a:schemeClr val="bg1"/>
+                </a:solidFill>
+              </a:rPr>
+              <a:t> </a:t>
+            </a:r>
+          </a:p>
+          <a:p>
+            <a:r>
+              <a:rPr lang="nl-NL" dirty="0" err="1">
+                <a:solidFill>
+                  <a:schemeClr val="bg1"/>
+                </a:solidFill>
+              </a:rPr>
+              <a:t>Roles</a:t>
+            </a:r>
+            <a:r>
+              <a:rPr lang="nl-NL" dirty="0">
+                <a:solidFill>
+                  <a:schemeClr val="bg1"/>
+                </a:solidFill>
+              </a:rPr>
+              <a:t> </a:t>
+            </a:r>
+            <a:r>
+              <a:rPr lang="nl-NL" dirty="0" err="1">
+                <a:solidFill>
+                  <a:schemeClr val="bg1"/>
+                </a:solidFill>
+              </a:rPr>
+              <a:t>and</a:t>
+            </a:r>
+            <a:r>
+              <a:rPr lang="nl-NL" dirty="0">
+                <a:solidFill>
+                  <a:schemeClr val="bg1"/>
+                </a:solidFill>
+              </a:rPr>
+              <a:t> </a:t>
+            </a:r>
+            <a:r>
+              <a:rPr lang="nl-NL" dirty="0" err="1">
+                <a:solidFill>
+                  <a:schemeClr val="bg1"/>
+                </a:solidFill>
+              </a:rPr>
+              <a:t>process</a:t>
+            </a:r>
+            <a:r>
+              <a:rPr lang="nl-NL" dirty="0">
+                <a:solidFill>
+                  <a:schemeClr val="bg1"/>
+                </a:solidFill>
+              </a:rPr>
+              <a:t> is as </a:t>
+            </a:r>
+            <a:r>
+              <a:rPr lang="nl-NL" dirty="0" err="1">
+                <a:solidFill>
+                  <a:schemeClr val="bg1"/>
+                </a:solidFill>
+              </a:rPr>
+              <a:t>follows</a:t>
+            </a:r>
+            <a:r>
+              <a:rPr lang="nl-NL" dirty="0">
+                <a:solidFill>
+                  <a:schemeClr val="bg1"/>
+                </a:solidFill>
+              </a:rPr>
+              <a:t>:</a:t>
+            </a:r>
+          </a:p>
+          <a:p>
+            <a:r>
+              <a:rPr lang="nl-NL" dirty="0" err="1">
+                <a:solidFill>
+                  <a:schemeClr val="bg1"/>
+                </a:solidFill>
+              </a:rPr>
+              <a:t>Advantages</a:t>
+            </a:r>
+            <a:r>
+              <a:rPr lang="nl-NL" dirty="0">
+                <a:solidFill>
+                  <a:schemeClr val="bg1"/>
+                </a:solidFill>
+              </a:rPr>
+              <a:t>:</a:t>
+            </a:r>
+          </a:p>
+          <a:p>
+            <a:pPr lvl="1"/>
+            <a:r>
+              <a:rPr lang="nl-NL" dirty="0" err="1">
+                <a:solidFill>
+                  <a:schemeClr val="bg1"/>
+                </a:solidFill>
+              </a:rPr>
+              <a:t>Available</a:t>
+            </a:r>
+            <a:r>
+              <a:rPr lang="nl-NL" dirty="0">
+                <a:solidFill>
+                  <a:schemeClr val="bg1"/>
+                </a:solidFill>
+              </a:rPr>
+              <a:t> </a:t>
+            </a:r>
+            <a:r>
+              <a:rPr lang="nl-NL" dirty="0" err="1">
+                <a:solidFill>
+                  <a:schemeClr val="bg1"/>
+                </a:solidFill>
+              </a:rPr>
+              <a:t>continuous</a:t>
+            </a:r>
+            <a:r>
+              <a:rPr lang="nl-NL" dirty="0">
+                <a:solidFill>
+                  <a:schemeClr val="bg1"/>
+                </a:solidFill>
+              </a:rPr>
+              <a:t> (</a:t>
+            </a:r>
+            <a:r>
+              <a:rPr lang="nl-NL" dirty="0" err="1">
+                <a:solidFill>
+                  <a:schemeClr val="bg1"/>
+                </a:solidFill>
+              </a:rPr>
+              <a:t>improving</a:t>
+            </a:r>
+            <a:r>
+              <a:rPr lang="nl-NL" dirty="0">
+                <a:solidFill>
+                  <a:schemeClr val="bg1"/>
+                </a:solidFill>
+              </a:rPr>
+              <a:t>) </a:t>
+            </a:r>
+            <a:r>
+              <a:rPr lang="nl-NL" dirty="0" err="1">
+                <a:solidFill>
+                  <a:schemeClr val="bg1"/>
+                </a:solidFill>
+              </a:rPr>
+              <a:t>working</a:t>
+            </a:r>
+            <a:r>
+              <a:rPr lang="nl-NL" dirty="0">
+                <a:solidFill>
+                  <a:schemeClr val="bg1"/>
+                </a:solidFill>
+              </a:rPr>
+              <a:t> product</a:t>
+            </a:r>
+          </a:p>
+          <a:p>
+            <a:pPr lvl="1"/>
+            <a:r>
+              <a:rPr lang="nl-NL" dirty="0" err="1">
+                <a:solidFill>
+                  <a:schemeClr val="bg1"/>
+                </a:solidFill>
+              </a:rPr>
+              <a:t>Continuous</a:t>
+            </a:r>
+            <a:r>
+              <a:rPr lang="nl-NL" dirty="0">
+                <a:solidFill>
+                  <a:schemeClr val="bg1"/>
+                </a:solidFill>
+              </a:rPr>
+              <a:t> engagement with customer</a:t>
+            </a:r>
+          </a:p>
+          <a:p>
+            <a:pPr lvl="1"/>
+            <a:r>
+              <a:rPr lang="nl-NL" dirty="0">
+                <a:solidFill>
+                  <a:schemeClr val="bg1"/>
+                </a:solidFill>
+              </a:rPr>
+              <a:t>Daily meetings </a:t>
+            </a:r>
+            <a:r>
+              <a:rPr lang="nl-NL" dirty="0" err="1">
+                <a:solidFill>
+                  <a:schemeClr val="bg1"/>
+                </a:solidFill>
+              </a:rPr>
+              <a:t>to</a:t>
+            </a:r>
+            <a:r>
+              <a:rPr lang="nl-NL" dirty="0">
+                <a:solidFill>
+                  <a:schemeClr val="bg1"/>
+                </a:solidFill>
+              </a:rPr>
+              <a:t> </a:t>
+            </a:r>
+            <a:r>
+              <a:rPr lang="nl-NL" dirty="0" err="1">
+                <a:solidFill>
+                  <a:schemeClr val="bg1"/>
+                </a:solidFill>
+              </a:rPr>
+              <a:t>measure</a:t>
+            </a:r>
+            <a:r>
+              <a:rPr lang="nl-NL" dirty="0">
+                <a:solidFill>
+                  <a:schemeClr val="bg1"/>
+                </a:solidFill>
+              </a:rPr>
+              <a:t> </a:t>
+            </a:r>
+            <a:r>
+              <a:rPr lang="nl-NL" dirty="0" err="1">
+                <a:solidFill>
+                  <a:schemeClr val="bg1"/>
+                </a:solidFill>
+              </a:rPr>
+              <a:t>individual</a:t>
+            </a:r>
+            <a:r>
+              <a:rPr lang="nl-NL" dirty="0">
+                <a:solidFill>
+                  <a:schemeClr val="bg1"/>
+                </a:solidFill>
+              </a:rPr>
+              <a:t> </a:t>
+            </a:r>
+            <a:r>
+              <a:rPr lang="nl-NL" dirty="0" err="1">
+                <a:solidFill>
+                  <a:schemeClr val="bg1"/>
+                </a:solidFill>
+              </a:rPr>
+              <a:t>productivity</a:t>
+            </a:r>
+            <a:endParaRPr lang="nl-NL" dirty="0">
+              <a:solidFill>
+                <a:schemeClr val="bg1"/>
+              </a:solidFill>
+            </a:endParaRPr>
+          </a:p>
+          <a:p>
+            <a:pPr marL="0" indent="0">
+              <a:buNone/>
+            </a:pPr>
+            <a:endParaRPr lang="nl-NL" dirty="0">
+              <a:solidFill>
+                <a:schemeClr val="bg1"/>
+              </a:solidFill>
+            </a:endParaRPr>
+          </a:p>
+        </p:txBody>
+      </p:sp>
+    </p:spTree>
+    <p:extLst>
+      <p:ext uri="{BB962C8B-B14F-4D97-AF65-F5344CB8AC3E}">
+        <p14:creationId xmlns:p14="http://schemas.microsoft.com/office/powerpoint/2010/main" val="1833557845"/>
+      </p:ext>
+    </p:extLst>
+  </p:cSld>
+  <p:clrMapOvr>
+    <a:masterClrMapping/>
+  </p:clrMapOvr>
+  <p:timing>
+    <p:tnLst>
+      <p:par>
+        <p:cTn id="1" dur="indefinite" restart="never" nodeType="tmRoot">
+          <p:childTnLst>
+            <p:seq concurrent="1" nextAc="seek">
+              <p:cTn id="2" dur="indefinite" nodeType="mainSeq">
+                <p:childTnLst>
+                  <p:par>
+                    <p:cTn id="3" fill="hold">
+                      <p:stCondLst>
+                        <p:cond delay="indefinite"/>
+                      </p:stCondLst>
+                      <p:childTnLst>
+                        <p:par>
+                          <p:cTn id="4" fill="hold">
+                            <p:stCondLst>
+                              <p:cond delay="0"/>
+                            </p:stCondLst>
+                            <p:childTnLst>
+                              <p:par>
+                                <p:cTn id="5" presetID="10" presetClass="entr" presetSubtype="0" fill="hold" grpId="0" nodeType="clickEffect">
+                                  <p:stCondLst>
+                                    <p:cond delay="0"/>
+                                  </p:stCondLst>
+                                  <p:childTnLst>
+                                    <p:set>
+                                      <p:cBhvr>
+                                        <p:cTn id="6" dur="1" fill="hold">
+                                          <p:stCondLst>
+                                            <p:cond delay="0"/>
+                                          </p:stCondLst>
+                                        </p:cTn>
+                                        <p:tgtEl>
+                                          <p:spTgt spid="3">
+                                            <p:txEl>
+                                              <p:pRg st="0" end="0"/>
+                                            </p:txEl>
+                                          </p:spTgt>
+                                        </p:tgtEl>
+                                        <p:attrNameLst>
+                                          <p:attrName>style.visibility</p:attrName>
+                                        </p:attrNameLst>
+                                      </p:cBhvr>
+                                      <p:to>
+                                        <p:strVal val="visible"/>
+                                      </p:to>
+                                    </p:set>
+                                    <p:animEffect transition="in" filter="fade">
+                                      <p:cBhvr>
+                                        <p:cTn id="7" dur="500"/>
+                                        <p:tgtEl>
+                                          <p:spTgt spid="3">
+                                            <p:txEl>
+                                              <p:pRg st="0" end="0"/>
+                                            </p:txEl>
+                                          </p:spTgt>
+                                        </p:tgtEl>
+                                      </p:cBhvr>
+                                    </p:animEffect>
+                                  </p:childTnLst>
+                                </p:cTn>
+                              </p:par>
+                            </p:childTnLst>
+                          </p:cTn>
+                        </p:par>
+                      </p:childTnLst>
+                    </p:cTn>
+                  </p:par>
+                  <p:par>
+                    <p:cTn id="8" fill="hold">
+                      <p:stCondLst>
+                        <p:cond delay="indefinite"/>
+                      </p:stCondLst>
+                      <p:childTnLst>
+                        <p:par>
+                          <p:cTn id="9" fill="hold">
+                            <p:stCondLst>
+                              <p:cond delay="0"/>
+                            </p:stCondLst>
+                            <p:childTnLst>
+                              <p:par>
+                                <p:cTn id="10" presetID="10" presetClass="entr" presetSubtype="0" fill="hold" grpId="0" nodeType="clickEffect">
+                                  <p:stCondLst>
+                                    <p:cond delay="0"/>
+                                  </p:stCondLst>
+                                  <p:childTnLst>
+                                    <p:set>
+                                      <p:cBhvr>
+                                        <p:cTn id="11" dur="1" fill="hold">
+                                          <p:stCondLst>
+                                            <p:cond delay="0"/>
+                                          </p:stCondLst>
+                                        </p:cTn>
+                                        <p:tgtEl>
+                                          <p:spTgt spid="3">
+                                            <p:txEl>
+                                              <p:pRg st="1" end="1"/>
+                                            </p:txEl>
+                                          </p:spTgt>
+                                        </p:tgtEl>
+                                        <p:attrNameLst>
+                                          <p:attrName>style.visibility</p:attrName>
+                                        </p:attrNameLst>
+                                      </p:cBhvr>
+                                      <p:to>
+                                        <p:strVal val="visible"/>
+                                      </p:to>
+                                    </p:set>
+                                    <p:animEffect transition="in" filter="fade">
+                                      <p:cBhvr>
+                                        <p:cTn id="12" dur="500"/>
+                                        <p:tgtEl>
+                                          <p:spTgt spid="3">
+                                            <p:txEl>
+                                              <p:pRg st="1" end="1"/>
+                                            </p:txEl>
+                                          </p:spTgt>
+                                        </p:tgtEl>
+                                      </p:cBhvr>
+                                    </p:animEffect>
+                                  </p:childTnLst>
+                                </p:cTn>
+                              </p:par>
+                            </p:childTnLst>
+                          </p:cTn>
+                        </p:par>
+                      </p:childTnLst>
+                    </p:cTn>
+                  </p:par>
+                  <p:par>
+                    <p:cTn id="13" fill="hold">
+                      <p:stCondLst>
+                        <p:cond delay="indefinite"/>
+                      </p:stCondLst>
+                      <p:childTnLst>
+                        <p:par>
+                          <p:cTn id="14" fill="hold">
+                            <p:stCondLst>
+                              <p:cond delay="0"/>
+                            </p:stCondLst>
+                            <p:childTnLst>
+                              <p:par>
+                                <p:cTn id="15" presetID="10" presetClass="entr" presetSubtype="0" fill="hold" grpId="0" nodeType="clickEffect">
+                                  <p:stCondLst>
+                                    <p:cond delay="0"/>
+                                  </p:stCondLst>
+                                  <p:childTnLst>
+                                    <p:set>
+                                      <p:cBhvr>
+                                        <p:cTn id="16" dur="1" fill="hold">
+                                          <p:stCondLst>
+                                            <p:cond delay="0"/>
+                                          </p:stCondLst>
+                                        </p:cTn>
+                                        <p:tgtEl>
+                                          <p:spTgt spid="3">
+                                            <p:txEl>
+                                              <p:pRg st="2" end="2"/>
+                                            </p:txEl>
+                                          </p:spTgt>
+                                        </p:tgtEl>
+                                        <p:attrNameLst>
+                                          <p:attrName>style.visibility</p:attrName>
+                                        </p:attrNameLst>
+                                      </p:cBhvr>
+                                      <p:to>
+                                        <p:strVal val="visible"/>
+                                      </p:to>
+                                    </p:set>
+                                    <p:animEffect transition="in" filter="fade">
+                                      <p:cBhvr>
+                                        <p:cTn id="17" dur="500"/>
+                                        <p:tgtEl>
+                                          <p:spTgt spid="3">
+                                            <p:txEl>
+                                              <p:pRg st="2" end="2"/>
+                                            </p:txEl>
+                                          </p:spTgt>
+                                        </p:tgtEl>
+                                      </p:cBhvr>
+                                    </p:animEffect>
+                                  </p:childTnLst>
+                                </p:cTn>
+                              </p:par>
+                              <p:par>
+                                <p:cTn id="18" presetID="10" presetClass="entr" presetSubtype="0" fill="hold" grpId="0" nodeType="withEffect">
+                                  <p:stCondLst>
+                                    <p:cond delay="0"/>
+                                  </p:stCondLst>
+                                  <p:childTnLst>
+                                    <p:set>
+                                      <p:cBhvr>
+                                        <p:cTn id="19" dur="1" fill="hold">
+                                          <p:stCondLst>
+                                            <p:cond delay="0"/>
+                                          </p:stCondLst>
+                                        </p:cTn>
+                                        <p:tgtEl>
+                                          <p:spTgt spid="3">
+                                            <p:txEl>
+                                              <p:pRg st="3" end="3"/>
+                                            </p:txEl>
+                                          </p:spTgt>
+                                        </p:tgtEl>
+                                        <p:attrNameLst>
+                                          <p:attrName>style.visibility</p:attrName>
+                                        </p:attrNameLst>
+                                      </p:cBhvr>
+                                      <p:to>
+                                        <p:strVal val="visible"/>
+                                      </p:to>
+                                    </p:set>
+                                    <p:animEffect transition="in" filter="fade">
+                                      <p:cBhvr>
+                                        <p:cTn id="20" dur="500"/>
+                                        <p:tgtEl>
+                                          <p:spTgt spid="3">
+                                            <p:txEl>
+                                              <p:pRg st="3" end="3"/>
+                                            </p:txEl>
+                                          </p:spTgt>
+                                        </p:tgtEl>
+                                      </p:cBhvr>
+                                    </p:animEffect>
+                                  </p:childTnLst>
+                                </p:cTn>
+                              </p:par>
+                              <p:par>
+                                <p:cTn id="21" presetID="10" presetClass="entr" presetSubtype="0" fill="hold" grpId="0" nodeType="withEffect">
+                                  <p:stCondLst>
+                                    <p:cond delay="0"/>
+                                  </p:stCondLst>
+                                  <p:childTnLst>
+                                    <p:set>
+                                      <p:cBhvr>
+                                        <p:cTn id="22" dur="1" fill="hold">
+                                          <p:stCondLst>
+                                            <p:cond delay="0"/>
+                                          </p:stCondLst>
+                                        </p:cTn>
+                                        <p:tgtEl>
+                                          <p:spTgt spid="3">
+                                            <p:txEl>
+                                              <p:pRg st="4" end="4"/>
+                                            </p:txEl>
+                                          </p:spTgt>
+                                        </p:tgtEl>
+                                        <p:attrNameLst>
+                                          <p:attrName>style.visibility</p:attrName>
+                                        </p:attrNameLst>
+                                      </p:cBhvr>
+                                      <p:to>
+                                        <p:strVal val="visible"/>
+                                      </p:to>
+                                    </p:set>
+                                    <p:animEffect transition="in" filter="fade">
+                                      <p:cBhvr>
+                                        <p:cTn id="23" dur="500"/>
+                                        <p:tgtEl>
+                                          <p:spTgt spid="3">
+                                            <p:txEl>
+                                              <p:pRg st="4" end="4"/>
+                                            </p:txEl>
+                                          </p:spTgt>
+                                        </p:tgtEl>
+                                      </p:cBhvr>
+                                    </p:animEffect>
+                                  </p:childTnLst>
+                                </p:cTn>
+                              </p:par>
+                              <p:par>
+                                <p:cTn id="24" presetID="10" presetClass="entr" presetSubtype="0" fill="hold" grpId="0" nodeType="withEffect">
+                                  <p:stCondLst>
+                                    <p:cond delay="0"/>
+                                  </p:stCondLst>
+                                  <p:childTnLst>
+                                    <p:set>
+                                      <p:cBhvr>
+                                        <p:cTn id="25" dur="1" fill="hold">
+                                          <p:stCondLst>
+                                            <p:cond delay="0"/>
+                                          </p:stCondLst>
+                                        </p:cTn>
+                                        <p:tgtEl>
+                                          <p:spTgt spid="3">
+                                            <p:txEl>
+                                              <p:pRg st="5" end="5"/>
+                                            </p:txEl>
+                                          </p:spTgt>
+                                        </p:tgtEl>
+                                        <p:attrNameLst>
+                                          <p:attrName>style.visibility</p:attrName>
+                                        </p:attrNameLst>
+                                      </p:cBhvr>
+                                      <p:to>
+                                        <p:strVal val="visible"/>
+                                      </p:to>
+                                    </p:set>
+                                    <p:animEffect transition="in" filter="fade">
+                                      <p:cBhvr>
+                                        <p:cTn id="26" dur="500"/>
                                         <p:tgtEl>
                                           <p:spTgt spid="3">
                                             <p:txEl>
